--- a/PowerPulse_HouseholdEnergyUsage.pptx
+++ b/PowerPulse_HouseholdEnergyUsage.pptx
@@ -5,10 +5,10 @@
     <p:sldMasterId id="2147483658" r:id="rId4"/>
   </p:sldMasterIdLst>
   <p:notesMasterIdLst>
-    <p:notesMasterId r:id="rId16"/>
+    <p:notesMasterId r:id="rId17"/>
   </p:notesMasterIdLst>
   <p:handoutMasterIdLst>
-    <p:handoutMasterId r:id="rId17"/>
+    <p:handoutMasterId r:id="rId18"/>
   </p:handoutMasterIdLst>
   <p:sldIdLst>
     <p:sldId id="410" r:id="rId5"/>
@@ -21,7 +21,8 @@
     <p:sldId id="434" r:id="rId12"/>
     <p:sldId id="389" r:id="rId13"/>
     <p:sldId id="412" r:id="rId14"/>
-    <p:sldId id="398" r:id="rId15"/>
+    <p:sldId id="435" r:id="rId15"/>
+    <p:sldId id="398" r:id="rId16"/>
   </p:sldIdLst>
   <p:sldSz cx="12192000" cy="6858000"/>
   <p:notesSz cx="6858000" cy="9144000"/>
@@ -201,7 +202,7 @@
             <a:fld id="{1EBEDD12-BCD5-485B-BCBC-34BB01D7923C}" type="datetimeFigureOut">
               <a:rPr lang="en-US" smtClean="0"/>
               <a:pPr/>
-              <a:t>5/25/2025</a:t>
+              <a:t>6/9/2025</a:t>
             </a:fld>
             <a:endParaRPr lang="en-US" dirty="0"/>
           </a:p>
@@ -417,7 +418,7 @@
             <a:fld id="{6EE7A52F-9D89-7442-A8E9-48D1527B5F6B}" type="datetimeFigureOut">
               <a:rPr lang="en-US" smtClean="0"/>
               <a:pPr/>
-              <a:t>5/25/2025</a:t>
+              <a:t>6/9/2025</a:t>
             </a:fld>
             <a:endParaRPr lang="en-US" dirty="0"/>
           </a:p>
@@ -922,6 +923,91 @@
               <a:rPr lang="en-US" smtClean="0"/>
               <a:pPr/>
               <a:t>11</a:t>
+            </a:fld>
+            <a:endParaRPr lang="en-US" dirty="0"/>
+          </a:p>
+        </p:txBody>
+      </p:sp>
+    </p:spTree>
+    <p:extLst>
+      <p:ext uri="{BB962C8B-B14F-4D97-AF65-F5344CB8AC3E}">
+        <p14:creationId xmlns="" xmlns:p14="http://schemas.microsoft.com/office/powerpoint/2010/main" val="3908276564"/>
+      </p:ext>
+    </p:extLst>
+  </p:cSld>
+  <p:clrMapOvr>
+    <a:masterClrMapping/>
+  </p:clrMapOvr>
+</p:notes>
+</file>
+
+<file path=ppt/notesSlides/notesSlide12.xml><?xml version="1.0" encoding="utf-8"?>
+<p:notes xmlns:a="http://schemas.openxmlformats.org/drawingml/2006/main" xmlns:r="http://schemas.openxmlformats.org/officeDocument/2006/relationships" xmlns:p="http://schemas.openxmlformats.org/presentationml/2006/main">
+  <p:cSld>
+    <p:spTree>
+      <p:nvGrpSpPr>
+        <p:cNvPr id="1" name=""/>
+        <p:cNvGrpSpPr/>
+        <p:nvPr/>
+      </p:nvGrpSpPr>
+      <p:grpSpPr>
+        <a:xfrm>
+          <a:off x="0" y="0"/>
+          <a:ext cx="0" cy="0"/>
+          <a:chOff x="0" y="0"/>
+          <a:chExt cx="0" cy="0"/>
+        </a:xfrm>
+      </p:grpSpPr>
+      <p:sp>
+        <p:nvSpPr>
+          <p:cNvPr id="2" name="Slide Image Placeholder 1"/>
+          <p:cNvSpPr>
+            <a:spLocks noGrp="1" noRot="1" noChangeAspect="1"/>
+          </p:cNvSpPr>
+          <p:nvPr>
+            <p:ph type="sldImg"/>
+          </p:nvPr>
+        </p:nvSpPr>
+        <p:spPr/>
+      </p:sp>
+      <p:sp>
+        <p:nvSpPr>
+          <p:cNvPr id="3" name="Notes Placeholder 2"/>
+          <p:cNvSpPr>
+            <a:spLocks noGrp="1"/>
+          </p:cNvSpPr>
+          <p:nvPr>
+            <p:ph type="body" idx="1"/>
+          </p:nvPr>
+        </p:nvSpPr>
+        <p:spPr/>
+        <p:txBody>
+          <a:bodyPr/>
+          <a:lstStyle/>
+          <a:p>
+            <a:endParaRPr lang="en-US" dirty="0"/>
+          </a:p>
+        </p:txBody>
+      </p:sp>
+      <p:sp>
+        <p:nvSpPr>
+          <p:cNvPr id="4" name="Slide Number Placeholder 3"/>
+          <p:cNvSpPr>
+            <a:spLocks noGrp="1"/>
+          </p:cNvSpPr>
+          <p:nvPr>
+            <p:ph type="sldNum" sz="quarter" idx="5"/>
+          </p:nvPr>
+        </p:nvSpPr>
+        <p:spPr/>
+        <p:txBody>
+          <a:bodyPr/>
+          <a:lstStyle/>
+          <a:p>
+            <a:fld id="{A89C7E07-3C67-C64C-8DA0-0404F6303970}" type="slidenum">
+              <a:rPr lang="en-US" smtClean="0"/>
+              <a:pPr/>
+              <a:t>12</a:t>
             </a:fld>
             <a:endParaRPr lang="en-US" dirty="0"/>
           </a:p>
@@ -10193,7 +10279,35 @@
                 <a:latin typeface="Times New Roman" pitchFamily="18" charset="0"/>
                 <a:cs typeface="Times New Roman" pitchFamily="18" charset="0"/>
               </a:rPr>
-              <a:t>Linear Regression model </a:t>
+              <a:t>Linear </a:t>
+            </a:r>
+            <a:r>
+              <a:rPr lang="en-US" sz="1600" b="1" dirty="0" smtClean="0">
+                <a:latin typeface="Times New Roman" pitchFamily="18" charset="0"/>
+                <a:cs typeface="Times New Roman" pitchFamily="18" charset="0"/>
+              </a:rPr>
+              <a:t>Regression, KNN, </a:t>
+            </a:r>
+            <a:r>
+              <a:rPr lang="en-US" sz="1600" b="1" dirty="0" err="1" smtClean="0">
+                <a:latin typeface="Times New Roman" pitchFamily="18" charset="0"/>
+                <a:cs typeface="Times New Roman" pitchFamily="18" charset="0"/>
+              </a:rPr>
+              <a:t>DecisionTree</a:t>
+            </a:r>
+            <a:r>
+              <a:rPr lang="en-US" sz="1600" b="1" dirty="0" smtClean="0">
+                <a:latin typeface="Times New Roman" pitchFamily="18" charset="0"/>
+                <a:cs typeface="Times New Roman" pitchFamily="18" charset="0"/>
+              </a:rPr>
+              <a:t> </a:t>
+            </a:r>
+            <a:r>
+              <a:rPr lang="en-US" sz="1600" b="1" dirty="0" smtClean="0">
+                <a:latin typeface="Times New Roman" pitchFamily="18" charset="0"/>
+                <a:cs typeface="Times New Roman" pitchFamily="18" charset="0"/>
+              </a:rPr>
+              <a:t>model </a:t>
             </a:r>
             <a:r>
               <a:rPr lang="en-US" sz="1600" dirty="0" smtClean="0">
@@ -10257,18 +10371,6 @@
               </a:rPr>
               <a:t>metric, which provides an estimate of the average deviation between predicted and actual values.</a:t>
             </a:r>
-          </a:p>
-          <a:p>
-            <a:endParaRPr lang="en-IN" sz="1600" dirty="0" smtClean="0">
-              <a:latin typeface="Times New Roman" pitchFamily="18" charset="0"/>
-              <a:cs typeface="Times New Roman" pitchFamily="18" charset="0"/>
-            </a:endParaRPr>
-          </a:p>
-          <a:p>
-            <a:endParaRPr lang="en-US" sz="1600" dirty="0" smtClean="0">
-              <a:latin typeface="Times New Roman" pitchFamily="18" charset="0"/>
-              <a:cs typeface="Times New Roman" pitchFamily="18" charset="0"/>
-            </a:endParaRPr>
           </a:p>
         </p:txBody>
       </p:sp>
@@ -10625,6 +10727,1402 @@
 </file>
 
 <file path=ppt/slides/slide11.xml><?xml version="1.0" encoding="utf-8"?>
+<p:sld xmlns:a="http://schemas.openxmlformats.org/drawingml/2006/main" xmlns:r="http://schemas.openxmlformats.org/officeDocument/2006/relationships" xmlns:p="http://schemas.openxmlformats.org/presentationml/2006/main">
+  <p:cSld>
+    <p:spTree>
+      <p:nvGrpSpPr>
+        <p:cNvPr id="1" name=""/>
+        <p:cNvGrpSpPr/>
+        <p:nvPr/>
+      </p:nvGrpSpPr>
+      <p:grpSpPr>
+        <a:xfrm>
+          <a:off x="0" y="0"/>
+          <a:ext cx="0" cy="0"/>
+          <a:chOff x="0" y="0"/>
+          <a:chExt cx="0" cy="0"/>
+        </a:xfrm>
+      </p:grpSpPr>
+      <p:sp>
+        <p:nvSpPr>
+          <p:cNvPr id="3" name="Title 2">
+            <a:extLst>
+              <a:ext uri="{FF2B5EF4-FFF2-40B4-BE49-F238E27FC236}">
+                <a16:creationId xmlns="" xmlns:a16="http://schemas.microsoft.com/office/drawing/2014/main" id="{545D3755-C3E2-975E-DE68-CDECC4B526EC}"/>
+              </a:ext>
+            </a:extLst>
+          </p:cNvPr>
+          <p:cNvSpPr>
+            <a:spLocks noGrp="1"/>
+          </p:cNvSpPr>
+          <p:nvPr>
+            <p:ph type="title"/>
+          </p:nvPr>
+        </p:nvSpPr>
+        <p:spPr>
+          <a:xfrm>
+            <a:off x="594360" y="102876"/>
+            <a:ext cx="10726783" cy="996582"/>
+          </a:xfrm>
+        </p:spPr>
+        <p:txBody>
+          <a:bodyPr/>
+          <a:lstStyle/>
+          <a:p>
+            <a:r>
+              <a:rPr lang="en-US" dirty="0" smtClean="0">
+                <a:latin typeface="Times New Roman" pitchFamily="18" charset="0"/>
+                <a:cs typeface="Times New Roman" pitchFamily="18" charset="0"/>
+              </a:rPr>
+              <a:t>Model </a:t>
+            </a:r>
+            <a:r>
+              <a:rPr lang="en-US" dirty="0" smtClean="0">
+                <a:latin typeface="Times New Roman" pitchFamily="18" charset="0"/>
+                <a:cs typeface="Times New Roman" pitchFamily="18" charset="0"/>
+              </a:rPr>
+              <a:t>Performance Metric</a:t>
+            </a:r>
+            <a:endParaRPr lang="en-US" dirty="0">
+              <a:latin typeface="Times New Roman" pitchFamily="18" charset="0"/>
+              <a:cs typeface="Times New Roman" pitchFamily="18" charset="0"/>
+            </a:endParaRPr>
+          </a:p>
+        </p:txBody>
+      </p:sp>
+      <p:sp>
+        <p:nvSpPr>
+          <p:cNvPr id="7" name="Text Placeholder 6">
+            <a:extLst>
+              <a:ext uri="{FF2B5EF4-FFF2-40B4-BE49-F238E27FC236}">
+                <a16:creationId xmlns="" xmlns:a16="http://schemas.microsoft.com/office/drawing/2014/main" id="{F70BD87D-F7DA-961B-4024-A354DC87D168}"/>
+              </a:ext>
+            </a:extLst>
+          </p:cNvPr>
+          <p:cNvSpPr>
+            <a:spLocks noGrp="1"/>
+          </p:cNvSpPr>
+          <p:nvPr>
+            <p:ph sz="quarter" idx="13"/>
+          </p:nvPr>
+        </p:nvSpPr>
+        <p:spPr>
+          <a:xfrm>
+            <a:off x="4467225" y="1343026"/>
+            <a:ext cx="7009342" cy="4574116"/>
+          </a:xfrm>
+        </p:spPr>
+        <p:txBody>
+          <a:bodyPr>
+            <a:normAutofit/>
+          </a:bodyPr>
+          <a:lstStyle/>
+          <a:p>
+            <a:r>
+              <a:rPr lang="en-US" sz="1600" dirty="0" smtClean="0">
+                <a:latin typeface="Times New Roman" pitchFamily="18" charset="0"/>
+                <a:cs typeface="Times New Roman" pitchFamily="18" charset="0"/>
+              </a:rPr>
+              <a:t>Best </a:t>
+            </a:r>
+            <a:r>
+              <a:rPr lang="en-US" sz="1600" dirty="0" smtClean="0">
+                <a:latin typeface="Times New Roman" pitchFamily="18" charset="0"/>
+                <a:cs typeface="Times New Roman" pitchFamily="18" charset="0"/>
+              </a:rPr>
+              <a:t>Model: </a:t>
+            </a:r>
+            <a:r>
+              <a:rPr lang="en-US" sz="1600" b="1" dirty="0" smtClean="0">
+                <a:latin typeface="Times New Roman" pitchFamily="18" charset="0"/>
+                <a:cs typeface="Times New Roman" pitchFamily="18" charset="0"/>
+              </a:rPr>
+              <a:t>KNN</a:t>
+            </a:r>
+            <a:endParaRPr lang="en-US" sz="1600" b="1" dirty="0" smtClean="0">
+              <a:latin typeface="Times New Roman" pitchFamily="18" charset="0"/>
+              <a:cs typeface="Times New Roman" pitchFamily="18" charset="0"/>
+            </a:endParaRPr>
+          </a:p>
+          <a:p>
+            <a:r>
+              <a:rPr lang="en-US" sz="1600" dirty="0" smtClean="0">
+                <a:latin typeface="Times New Roman" pitchFamily="18" charset="0"/>
+                <a:cs typeface="Times New Roman" pitchFamily="18" charset="0"/>
+              </a:rPr>
+              <a:t>Second Best: </a:t>
+            </a:r>
+            <a:r>
+              <a:rPr lang="en-US" sz="1600" b="1" dirty="0" smtClean="0">
+                <a:latin typeface="Times New Roman" pitchFamily="18" charset="0"/>
+                <a:cs typeface="Times New Roman" pitchFamily="18" charset="0"/>
+              </a:rPr>
+              <a:t>Decision</a:t>
+            </a:r>
+            <a:r>
+              <a:rPr lang="en-US" sz="1600" dirty="0" smtClean="0">
+                <a:latin typeface="Times New Roman" pitchFamily="18" charset="0"/>
+                <a:cs typeface="Times New Roman" pitchFamily="18" charset="0"/>
+              </a:rPr>
+              <a:t> </a:t>
+            </a:r>
+            <a:r>
+              <a:rPr lang="en-US" sz="1600" b="1" dirty="0" smtClean="0">
+                <a:latin typeface="Times New Roman" pitchFamily="18" charset="0"/>
+                <a:cs typeface="Times New Roman" pitchFamily="18" charset="0"/>
+              </a:rPr>
+              <a:t>Tree</a:t>
+            </a:r>
+          </a:p>
+          <a:p>
+            <a:r>
+              <a:rPr lang="en-US" sz="1600" dirty="0" smtClean="0">
+                <a:latin typeface="Times New Roman" pitchFamily="18" charset="0"/>
+                <a:cs typeface="Times New Roman" pitchFamily="18" charset="0"/>
+              </a:rPr>
+              <a:t>Least Accurate: </a:t>
+            </a:r>
+            <a:r>
+              <a:rPr lang="en-US" sz="1600" b="1" dirty="0" smtClean="0">
+                <a:latin typeface="Times New Roman" pitchFamily="18" charset="0"/>
+                <a:cs typeface="Times New Roman" pitchFamily="18" charset="0"/>
+              </a:rPr>
+              <a:t>Linear</a:t>
+            </a:r>
+            <a:r>
+              <a:rPr lang="en-US" sz="1600" dirty="0" smtClean="0">
+                <a:latin typeface="Times New Roman" pitchFamily="18" charset="0"/>
+                <a:cs typeface="Times New Roman" pitchFamily="18" charset="0"/>
+              </a:rPr>
+              <a:t> </a:t>
+            </a:r>
+            <a:r>
+              <a:rPr lang="en-US" sz="1600" b="1" dirty="0" smtClean="0">
+                <a:latin typeface="Times New Roman" pitchFamily="18" charset="0"/>
+                <a:cs typeface="Times New Roman" pitchFamily="18" charset="0"/>
+              </a:rPr>
+              <a:t>Regression</a:t>
+            </a:r>
+          </a:p>
+          <a:p>
+            <a:r>
+              <a:rPr lang="en-US" sz="1600" dirty="0" smtClean="0">
+                <a:latin typeface="Times New Roman" pitchFamily="18" charset="0"/>
+                <a:cs typeface="Times New Roman" pitchFamily="18" charset="0"/>
+              </a:rPr>
+              <a:t>So, </a:t>
+            </a:r>
+            <a:r>
+              <a:rPr lang="en-US" sz="1600" b="1" dirty="0" smtClean="0">
+                <a:latin typeface="Times New Roman" pitchFamily="18" charset="0"/>
+                <a:cs typeface="Times New Roman" pitchFamily="18" charset="0"/>
+              </a:rPr>
+              <a:t>KNN</a:t>
+            </a:r>
+            <a:r>
+              <a:rPr lang="en-US" sz="1600" dirty="0" smtClean="0">
+                <a:latin typeface="Times New Roman" pitchFamily="18" charset="0"/>
+                <a:cs typeface="Times New Roman" pitchFamily="18" charset="0"/>
+              </a:rPr>
+              <a:t> gives the best predictive performance on this dataset.</a:t>
+            </a:r>
+          </a:p>
+          <a:p>
+            <a:r>
+              <a:rPr lang="en-US" sz="1600" dirty="0" smtClean="0">
+                <a:latin typeface="Times New Roman" pitchFamily="18" charset="0"/>
+                <a:cs typeface="Times New Roman" pitchFamily="18" charset="0"/>
+              </a:rPr>
+              <a:t>Lowest </a:t>
+            </a:r>
+            <a:r>
+              <a:rPr lang="en-US" sz="1600" dirty="0" smtClean="0">
+                <a:latin typeface="Times New Roman" pitchFamily="18" charset="0"/>
+                <a:cs typeface="Times New Roman" pitchFamily="18" charset="0"/>
+              </a:rPr>
+              <a:t>RMSE for KNN, Best </a:t>
+            </a:r>
+            <a:r>
+              <a:rPr lang="en-US" sz="1600" dirty="0" smtClean="0">
+                <a:latin typeface="Times New Roman" pitchFamily="18" charset="0"/>
+                <a:cs typeface="Times New Roman" pitchFamily="18" charset="0"/>
+              </a:rPr>
+              <a:t>suited for this dataset due to </a:t>
+            </a:r>
+            <a:r>
+              <a:rPr lang="en-US" sz="1600" b="1" dirty="0" smtClean="0">
+                <a:latin typeface="Times New Roman" pitchFamily="18" charset="0"/>
+                <a:cs typeface="Times New Roman" pitchFamily="18" charset="0"/>
+              </a:rPr>
+              <a:t>minimal prediction error.</a:t>
+            </a:r>
+            <a:endParaRPr lang="en-US" sz="1600" b="1" dirty="0" smtClean="0">
+              <a:latin typeface="Times New Roman" pitchFamily="18" charset="0"/>
+              <a:cs typeface="Times New Roman" pitchFamily="18" charset="0"/>
+            </a:endParaRPr>
+          </a:p>
+          <a:p>
+            <a:r>
+              <a:rPr lang="en-US" sz="1600" dirty="0" smtClean="0">
+                <a:latin typeface="Times New Roman" pitchFamily="18" charset="0"/>
+                <a:cs typeface="Times New Roman" pitchFamily="18" charset="0"/>
+              </a:rPr>
+              <a:t>All models perform reasonably well, </a:t>
+            </a:r>
+            <a:r>
+              <a:rPr lang="en-US" sz="1600" dirty="0" smtClean="0">
+                <a:latin typeface="Times New Roman" pitchFamily="18" charset="0"/>
+                <a:cs typeface="Times New Roman" pitchFamily="18" charset="0"/>
+              </a:rPr>
+              <a:t>but </a:t>
+            </a:r>
+            <a:r>
+              <a:rPr lang="en-US" sz="1600" b="1" dirty="0" smtClean="0">
+                <a:latin typeface="Times New Roman" pitchFamily="18" charset="0"/>
+                <a:cs typeface="Times New Roman" pitchFamily="18" charset="0"/>
+              </a:rPr>
+              <a:t>KNN</a:t>
+            </a:r>
+            <a:r>
+              <a:rPr lang="en-US" sz="1600" dirty="0" smtClean="0">
+                <a:latin typeface="Times New Roman" pitchFamily="18" charset="0"/>
+                <a:cs typeface="Times New Roman" pitchFamily="18" charset="0"/>
+              </a:rPr>
+              <a:t> outperforms </a:t>
+            </a:r>
+            <a:r>
+              <a:rPr lang="en-US" sz="1600" dirty="0" smtClean="0">
+                <a:latin typeface="Times New Roman" pitchFamily="18" charset="0"/>
+                <a:cs typeface="Times New Roman" pitchFamily="18" charset="0"/>
+              </a:rPr>
+              <a:t>others in terms of </a:t>
+            </a:r>
+            <a:r>
+              <a:rPr lang="en-US" sz="1600" b="1" dirty="0" smtClean="0">
+                <a:latin typeface="Times New Roman" pitchFamily="18" charset="0"/>
+                <a:cs typeface="Times New Roman" pitchFamily="18" charset="0"/>
+              </a:rPr>
+              <a:t>prediction accuracy</a:t>
+            </a:r>
+            <a:r>
+              <a:rPr lang="en-US" sz="1600" dirty="0" smtClean="0">
+                <a:latin typeface="Times New Roman" pitchFamily="18" charset="0"/>
+                <a:cs typeface="Times New Roman" pitchFamily="18" charset="0"/>
+              </a:rPr>
+              <a:t>.</a:t>
+            </a:r>
+          </a:p>
+          <a:p>
+            <a:endParaRPr lang="en-US" sz="1600" dirty="0" smtClean="0">
+              <a:latin typeface="Times New Roman" pitchFamily="18" charset="0"/>
+              <a:cs typeface="Times New Roman" pitchFamily="18" charset="0"/>
+            </a:endParaRPr>
+          </a:p>
+        </p:txBody>
+      </p:sp>
+      <p:grpSp>
+        <p:nvGrpSpPr>
+          <p:cNvPr id="2" name="Group 18">
+            <a:extLst>
+              <a:ext uri="{FF2B5EF4-FFF2-40B4-BE49-F238E27FC236}">
+                <a16:creationId xmlns="" xmlns:a16="http://schemas.microsoft.com/office/drawing/2014/main" id="{C78CEA4F-D72A-C069-6A51-328B103CA0CA}"/>
+              </a:ext>
+              <a:ext uri="{C183D7F6-B498-43B3-948B-1728B52AA6E4}">
+                <adec:decorative xmlns="" xmlns:adec="http://schemas.microsoft.com/office/drawing/2017/decorative" val="1"/>
+              </a:ext>
+            </a:extLst>
+          </p:cNvPr>
+          <p:cNvGrpSpPr>
+            <a:grpSpLocks/>
+          </p:cNvGrpSpPr>
+          <p:nvPr/>
+        </p:nvGrpSpPr>
+        <p:grpSpPr bwMode="auto">
+          <a:xfrm rot="16200000" flipV="1">
+            <a:off x="0" y="3900132"/>
+            <a:ext cx="2959226" cy="2959226"/>
+            <a:chOff x="0" y="12289"/>
+            <a:chExt cx="3550" cy="3551"/>
+          </a:xfrm>
+        </p:grpSpPr>
+        <p:sp>
+          <p:nvSpPr>
+            <p:cNvPr id="20" name="Freeform 19">
+              <a:extLst>
+                <a:ext uri="{FF2B5EF4-FFF2-40B4-BE49-F238E27FC236}">
+                  <a16:creationId xmlns="" xmlns:a16="http://schemas.microsoft.com/office/drawing/2014/main" id="{7E473402-19FD-A5B0-5CB6-E5F3926D3828}"/>
+                </a:ext>
+              </a:extLst>
+            </p:cNvPr>
+            <p:cNvSpPr>
+              <a:spLocks/>
+            </p:cNvSpPr>
+            <p:nvPr/>
+          </p:nvSpPr>
+          <p:spPr bwMode="auto">
+            <a:xfrm>
+              <a:off x="0" y="12289"/>
+              <a:ext cx="1789" cy="2386"/>
+            </a:xfrm>
+            <a:custGeom>
+              <a:avLst/>
+              <a:gdLst>
+                <a:gd name="T0" fmla="*/ 0 w 1789"/>
+                <a:gd name="T1" fmla="+- 0 12290 12290"/>
+                <a:gd name="T2" fmla="*/ 12290 h 2386"/>
+                <a:gd name="T3" fmla="*/ 0 w 1789"/>
+                <a:gd name="T4" fmla="+- 0 13484 12290"/>
+                <a:gd name="T5" fmla="*/ 13484 h 2386"/>
+                <a:gd name="T6" fmla="*/ 1192 w 1789"/>
+                <a:gd name="T7" fmla="+- 0 14676 12290"/>
+                <a:gd name="T8" fmla="*/ 14676 h 2386"/>
+                <a:gd name="T9" fmla="*/ 1789 w 1789"/>
+                <a:gd name="T10" fmla="+- 0 14079 12290"/>
+                <a:gd name="T11" fmla="*/ 14079 h 2386"/>
+                <a:gd name="T12" fmla="*/ 0 w 1789"/>
+                <a:gd name="T13" fmla="+- 0 12290 12290"/>
+                <a:gd name="T14" fmla="*/ 12290 h 2386"/>
+              </a:gdLst>
+              <a:ahLst/>
+              <a:cxnLst>
+                <a:cxn ang="0">
+                  <a:pos x="T0" y="T2"/>
+                </a:cxn>
+                <a:cxn ang="0">
+                  <a:pos x="T3" y="T5"/>
+                </a:cxn>
+                <a:cxn ang="0">
+                  <a:pos x="T6" y="T8"/>
+                </a:cxn>
+                <a:cxn ang="0">
+                  <a:pos x="T9" y="T11"/>
+                </a:cxn>
+                <a:cxn ang="0">
+                  <a:pos x="T12" y="T14"/>
+                </a:cxn>
+              </a:cxnLst>
+              <a:rect l="0" t="0" r="r" b="b"/>
+              <a:pathLst>
+                <a:path w="1789" h="2386">
+                  <a:moveTo>
+                    <a:pt x="0" y="0"/>
+                  </a:moveTo>
+                  <a:lnTo>
+                    <a:pt x="0" y="1194"/>
+                  </a:lnTo>
+                  <a:lnTo>
+                    <a:pt x="1192" y="2386"/>
+                  </a:lnTo>
+                  <a:lnTo>
+                    <a:pt x="1789" y="1789"/>
+                  </a:lnTo>
+                  <a:lnTo>
+                    <a:pt x="0" y="0"/>
+                  </a:lnTo>
+                  <a:close/>
+                </a:path>
+              </a:pathLst>
+            </a:custGeom>
+            <a:solidFill>
+              <a:schemeClr val="accent6"/>
+            </a:solidFill>
+            <a:ln>
+              <a:noFill/>
+            </a:ln>
+            <a:extLst>
+              <a:ext uri="{91240B29-F687-4F45-9708-019B960494DF}">
+                <a14:hiddenLine xmlns="" xmlns:a14="http://schemas.microsoft.com/office/drawing/2010/main" w="9525">
+                  <a:solidFill>
+                    <a:srgbClr val="000000"/>
+                  </a:solidFill>
+                  <a:round/>
+                  <a:headEnd/>
+                  <a:tailEnd/>
+                </a14:hiddenLine>
+              </a:ext>
+            </a:extLst>
+          </p:spPr>
+          <p:txBody>
+            <a:bodyPr rot="0" vert="horz" wrap="square" lIns="91440" tIns="45720" rIns="91440" bIns="45720" anchor="t" anchorCtr="0" upright="1">
+              <a:noAutofit/>
+            </a:bodyPr>
+            <a:lstStyle/>
+            <a:p>
+              <a:endParaRPr lang="en-US" dirty="0"/>
+            </a:p>
+          </p:txBody>
+        </p:sp>
+        <p:sp>
+          <p:nvSpPr>
+            <p:cNvPr id="21" name="Freeform 20">
+              <a:extLst>
+                <a:ext uri="{FF2B5EF4-FFF2-40B4-BE49-F238E27FC236}">
+                  <a16:creationId xmlns="" xmlns:a16="http://schemas.microsoft.com/office/drawing/2014/main" id="{879D1CAD-2EA2-9376-7B64-0C3AC590F651}"/>
+                </a:ext>
+              </a:extLst>
+            </p:cNvPr>
+            <p:cNvSpPr>
+              <a:spLocks/>
+            </p:cNvSpPr>
+            <p:nvPr/>
+          </p:nvSpPr>
+          <p:spPr bwMode="auto">
+            <a:xfrm>
+              <a:off x="0" y="14678"/>
+              <a:ext cx="1162" cy="1162"/>
+            </a:xfrm>
+            <a:custGeom>
+              <a:avLst/>
+              <a:gdLst>
+                <a:gd name="T0" fmla="*/ 0 w 1162"/>
+                <a:gd name="T1" fmla="+- 0 14679 14679"/>
+                <a:gd name="T2" fmla="*/ 14679 h 1162"/>
+                <a:gd name="T3" fmla="*/ 0 w 1162"/>
+                <a:gd name="T4" fmla="+- 0 15840 14679"/>
+                <a:gd name="T5" fmla="*/ 15840 h 1162"/>
+                <a:gd name="T6" fmla="*/ 1161 w 1162"/>
+                <a:gd name="T7" fmla="+- 0 15840 14679"/>
+                <a:gd name="T8" fmla="*/ 15840 h 1162"/>
+                <a:gd name="T9" fmla="*/ 0 w 1162"/>
+                <a:gd name="T10" fmla="+- 0 14679 14679"/>
+                <a:gd name="T11" fmla="*/ 14679 h 1162"/>
+              </a:gdLst>
+              <a:ahLst/>
+              <a:cxnLst>
+                <a:cxn ang="0">
+                  <a:pos x="T0" y="T2"/>
+                </a:cxn>
+                <a:cxn ang="0">
+                  <a:pos x="T3" y="T5"/>
+                </a:cxn>
+                <a:cxn ang="0">
+                  <a:pos x="T6" y="T8"/>
+                </a:cxn>
+                <a:cxn ang="0">
+                  <a:pos x="T9" y="T11"/>
+                </a:cxn>
+              </a:cxnLst>
+              <a:rect l="0" t="0" r="r" b="b"/>
+              <a:pathLst>
+                <a:path w="1162" h="1162">
+                  <a:moveTo>
+                    <a:pt x="0" y="0"/>
+                  </a:moveTo>
+                  <a:lnTo>
+                    <a:pt x="0" y="1161"/>
+                  </a:lnTo>
+                  <a:lnTo>
+                    <a:pt x="1161" y="1161"/>
+                  </a:lnTo>
+                  <a:lnTo>
+                    <a:pt x="0" y="0"/>
+                  </a:lnTo>
+                  <a:close/>
+                </a:path>
+              </a:pathLst>
+            </a:custGeom>
+            <a:solidFill>
+              <a:schemeClr val="tx2"/>
+            </a:solidFill>
+            <a:ln>
+              <a:noFill/>
+            </a:ln>
+            <a:extLst>
+              <a:ext uri="{91240B29-F687-4F45-9708-019B960494DF}">
+                <a14:hiddenLine xmlns="" xmlns:a14="http://schemas.microsoft.com/office/drawing/2010/main" w="9525">
+                  <a:solidFill>
+                    <a:srgbClr val="000000"/>
+                  </a:solidFill>
+                  <a:round/>
+                  <a:headEnd/>
+                  <a:tailEnd/>
+                </a14:hiddenLine>
+              </a:ext>
+            </a:extLst>
+          </p:spPr>
+          <p:txBody>
+            <a:bodyPr rot="0" vert="horz" wrap="square" lIns="91440" tIns="45720" rIns="91440" bIns="45720" anchor="t" anchorCtr="0" upright="1">
+              <a:noAutofit/>
+            </a:bodyPr>
+            <a:lstStyle/>
+            <a:p>
+              <a:endParaRPr lang="en-US" dirty="0"/>
+            </a:p>
+          </p:txBody>
+        </p:sp>
+        <p:sp>
+          <p:nvSpPr>
+            <p:cNvPr id="22" name="Freeform 21">
+              <a:extLst>
+                <a:ext uri="{FF2B5EF4-FFF2-40B4-BE49-F238E27FC236}">
+                  <a16:creationId xmlns="" xmlns:a16="http://schemas.microsoft.com/office/drawing/2014/main" id="{B16F8906-918C-BE0B-A4AB-6A1D48150AC7}"/>
+                </a:ext>
+              </a:extLst>
+            </p:cNvPr>
+            <p:cNvSpPr>
+              <a:spLocks/>
+            </p:cNvSpPr>
+            <p:nvPr/>
+          </p:nvSpPr>
+          <p:spPr bwMode="auto">
+            <a:xfrm>
+              <a:off x="1221" y="14675"/>
+              <a:ext cx="2329" cy="1165"/>
+            </a:xfrm>
+            <a:custGeom>
+              <a:avLst/>
+              <a:gdLst>
+                <a:gd name="T0" fmla="+- 0 3550 1221"/>
+                <a:gd name="T1" fmla="*/ T0 w 2329"/>
+                <a:gd name="T2" fmla="+- 0 15840 14676"/>
+                <a:gd name="T3" fmla="*/ 15840 h 1165"/>
+                <a:gd name="T4" fmla="+- 0 2386 1221"/>
+                <a:gd name="T5" fmla="*/ T4 w 2329"/>
+                <a:gd name="T6" fmla="+- 0 14676 14676"/>
+                <a:gd name="T7" fmla="*/ 14676 h 1165"/>
+                <a:gd name="T8" fmla="+- 0 1221 1221"/>
+                <a:gd name="T9" fmla="*/ T8 w 2329"/>
+                <a:gd name="T10" fmla="+- 0 15840 14676"/>
+                <a:gd name="T11" fmla="*/ 15840 h 1165"/>
+                <a:gd name="T12" fmla="+- 0 3550 1221"/>
+                <a:gd name="T13" fmla="*/ T12 w 2329"/>
+                <a:gd name="T14" fmla="+- 0 15840 14676"/>
+                <a:gd name="T15" fmla="*/ 15840 h 1165"/>
+              </a:gdLst>
+              <a:ahLst/>
+              <a:cxnLst>
+                <a:cxn ang="0">
+                  <a:pos x="T1" y="T3"/>
+                </a:cxn>
+                <a:cxn ang="0">
+                  <a:pos x="T5" y="T7"/>
+                </a:cxn>
+                <a:cxn ang="0">
+                  <a:pos x="T9" y="T11"/>
+                </a:cxn>
+                <a:cxn ang="0">
+                  <a:pos x="T13" y="T15"/>
+                </a:cxn>
+              </a:cxnLst>
+              <a:rect l="0" t="0" r="r" b="b"/>
+              <a:pathLst>
+                <a:path w="2329" h="1165">
+                  <a:moveTo>
+                    <a:pt x="2329" y="1164"/>
+                  </a:moveTo>
+                  <a:lnTo>
+                    <a:pt x="1165" y="0"/>
+                  </a:lnTo>
+                  <a:lnTo>
+                    <a:pt x="0" y="1164"/>
+                  </a:lnTo>
+                  <a:lnTo>
+                    <a:pt x="2329" y="1164"/>
+                  </a:lnTo>
+                </a:path>
+              </a:pathLst>
+            </a:custGeom>
+            <a:solidFill>
+              <a:schemeClr val="accent3"/>
+            </a:solidFill>
+            <a:ln>
+              <a:noFill/>
+            </a:ln>
+            <a:extLst>
+              <a:ext uri="{91240B29-F687-4F45-9708-019B960494DF}">
+                <a14:hiddenLine xmlns="" xmlns:a14="http://schemas.microsoft.com/office/drawing/2010/main" w="9525">
+                  <a:solidFill>
+                    <a:srgbClr val="000000"/>
+                  </a:solidFill>
+                  <a:round/>
+                  <a:headEnd/>
+                  <a:tailEnd/>
+                </a14:hiddenLine>
+              </a:ext>
+            </a:extLst>
+          </p:spPr>
+          <p:txBody>
+            <a:bodyPr rot="0" vert="horz" wrap="square" lIns="91440" tIns="45720" rIns="91440" bIns="45720" anchor="t" anchorCtr="0" upright="1">
+              <a:noAutofit/>
+            </a:bodyPr>
+            <a:lstStyle/>
+            <a:p>
+              <a:endParaRPr lang="en-US" dirty="0"/>
+            </a:p>
+          </p:txBody>
+        </p:sp>
+      </p:grpSp>
+      <p:graphicFrame>
+        <p:nvGraphicFramePr>
+          <p:cNvPr id="8" name="Table 7"/>
+          <p:cNvGraphicFramePr>
+            <a:graphicFrameLocks noGrp="1"/>
+          </p:cNvGraphicFramePr>
+          <p:nvPr/>
+        </p:nvGraphicFramePr>
+        <p:xfrm>
+          <a:off x="177800" y="1628244"/>
+          <a:ext cx="4060825" cy="2457980"/>
+        </p:xfrm>
+        <a:graphic>
+          <a:graphicData uri="http://schemas.openxmlformats.org/drawingml/2006/table">
+            <a:tbl>
+              <a:tblPr/>
+              <a:tblGrid>
+                <a:gridCol w="2449919"/>
+                <a:gridCol w="805453"/>
+                <a:gridCol w="805453"/>
+              </a:tblGrid>
+              <a:tr h="983192">
+                <a:tc>
+                  <a:txBody>
+                    <a:bodyPr/>
+                    <a:lstStyle/>
+                    <a:p>
+                      <a:pPr algn="ctr" fontAlgn="ctr"/>
+                      <a:r>
+                        <a:rPr lang="en-US" sz="1100" b="1" i="0" u="none" strike="noStrike" dirty="0" err="1">
+                          <a:solidFill>
+                            <a:srgbClr val="000000"/>
+                          </a:solidFill>
+                          <a:latin typeface="Segoe UI"/>
+                        </a:rPr>
+                        <a:t>Alorithm</a:t>
+                      </a:r>
+                      <a:r>
+                        <a:rPr lang="en-US" sz="1100" b="1" i="0" u="none" strike="noStrike" dirty="0">
+                          <a:solidFill>
+                            <a:srgbClr val="000000"/>
+                          </a:solidFill>
+                          <a:latin typeface="Segoe UI"/>
+                        </a:rPr>
+                        <a:t> &amp; Performance Metric</a:t>
+                      </a:r>
+                    </a:p>
+                  </a:txBody>
+                  <a:tcPr marL="7620" marR="7620" marT="7620" marB="0" anchor="ctr">
+                    <a:lnL w="12700" cap="flat" cmpd="sng" algn="ctr">
+                      <a:solidFill>
+                        <a:srgbClr val="000000"/>
+                      </a:solidFill>
+                      <a:prstDash val="solid"/>
+                      <a:round/>
+                      <a:headEnd type="none" w="med" len="med"/>
+                      <a:tailEnd type="none" w="med" len="med"/>
+                    </a:lnL>
+                    <a:lnR w="12700" cap="flat" cmpd="sng" algn="ctr">
+                      <a:solidFill>
+                        <a:srgbClr val="000000"/>
+                      </a:solidFill>
+                      <a:prstDash val="solid"/>
+                      <a:round/>
+                      <a:headEnd type="none" w="med" len="med"/>
+                      <a:tailEnd type="none" w="med" len="med"/>
+                    </a:lnR>
+                    <a:lnT w="12700" cap="flat" cmpd="sng" algn="ctr">
+                      <a:solidFill>
+                        <a:srgbClr val="000000"/>
+                      </a:solidFill>
+                      <a:prstDash val="solid"/>
+                      <a:round/>
+                      <a:headEnd type="none" w="med" len="med"/>
+                      <a:tailEnd type="none" w="med" len="med"/>
+                    </a:lnT>
+                    <a:lnB w="6350" cap="flat" cmpd="sng" algn="ctr">
+                      <a:solidFill>
+                        <a:srgbClr val="000000"/>
+                      </a:solidFill>
+                      <a:prstDash val="solid"/>
+                      <a:round/>
+                      <a:headEnd type="none" w="med" len="med"/>
+                      <a:tailEnd type="none" w="med" len="med"/>
+                    </a:lnB>
+                    <a:solidFill>
+                      <a:srgbClr val="FCD5B4"/>
+                    </a:solidFill>
+                  </a:tcPr>
+                </a:tc>
+                <a:tc>
+                  <a:txBody>
+                    <a:bodyPr/>
+                    <a:lstStyle/>
+                    <a:p>
+                      <a:pPr algn="ctr" fontAlgn="ctr"/>
+                      <a:r>
+                        <a:rPr lang="en-US" sz="1100" b="1" i="0" u="none" strike="noStrike">
+                          <a:solidFill>
+                            <a:srgbClr val="000000"/>
+                          </a:solidFill>
+                          <a:latin typeface="Segoe UI"/>
+                        </a:rPr>
+                        <a:t>MSE</a:t>
+                      </a:r>
+                    </a:p>
+                  </a:txBody>
+                  <a:tcPr marL="7620" marR="7620" marT="7620" marB="0" anchor="ctr">
+                    <a:lnL w="12700" cap="flat" cmpd="sng" algn="ctr">
+                      <a:solidFill>
+                        <a:srgbClr val="000000"/>
+                      </a:solidFill>
+                      <a:prstDash val="solid"/>
+                      <a:round/>
+                      <a:headEnd type="none" w="med" len="med"/>
+                      <a:tailEnd type="none" w="med" len="med"/>
+                    </a:lnL>
+                    <a:lnR w="12700" cap="flat" cmpd="sng" algn="ctr">
+                      <a:solidFill>
+                        <a:srgbClr val="000000"/>
+                      </a:solidFill>
+                      <a:prstDash val="solid"/>
+                      <a:round/>
+                      <a:headEnd type="none" w="med" len="med"/>
+                      <a:tailEnd type="none" w="med" len="med"/>
+                    </a:lnR>
+                    <a:lnT w="12700" cap="flat" cmpd="sng" algn="ctr">
+                      <a:solidFill>
+                        <a:srgbClr val="000000"/>
+                      </a:solidFill>
+                      <a:prstDash val="solid"/>
+                      <a:round/>
+                      <a:headEnd type="none" w="med" len="med"/>
+                      <a:tailEnd type="none" w="med" len="med"/>
+                    </a:lnT>
+                    <a:lnB w="6350" cap="flat" cmpd="sng" algn="ctr">
+                      <a:solidFill>
+                        <a:srgbClr val="000000"/>
+                      </a:solidFill>
+                      <a:prstDash val="solid"/>
+                      <a:round/>
+                      <a:headEnd type="none" w="med" len="med"/>
+                      <a:tailEnd type="none" w="med" len="med"/>
+                    </a:lnB>
+                    <a:solidFill>
+                      <a:srgbClr val="FCD5B4"/>
+                    </a:solidFill>
+                  </a:tcPr>
+                </a:tc>
+                <a:tc>
+                  <a:txBody>
+                    <a:bodyPr/>
+                    <a:lstStyle/>
+                    <a:p>
+                      <a:pPr algn="ctr" fontAlgn="ctr"/>
+                      <a:r>
+                        <a:rPr lang="en-US" sz="1100" b="1" i="0" u="none" strike="noStrike">
+                          <a:solidFill>
+                            <a:srgbClr val="000000"/>
+                          </a:solidFill>
+                          <a:latin typeface="Segoe UI"/>
+                        </a:rPr>
+                        <a:t>RMSE</a:t>
+                      </a:r>
+                    </a:p>
+                  </a:txBody>
+                  <a:tcPr marL="7620" marR="7620" marT="7620" marB="0" anchor="ctr">
+                    <a:lnL w="12700" cap="flat" cmpd="sng" algn="ctr">
+                      <a:solidFill>
+                        <a:srgbClr val="000000"/>
+                      </a:solidFill>
+                      <a:prstDash val="solid"/>
+                      <a:round/>
+                      <a:headEnd type="none" w="med" len="med"/>
+                      <a:tailEnd type="none" w="med" len="med"/>
+                    </a:lnL>
+                    <a:lnR w="6350" cap="flat" cmpd="sng" algn="ctr">
+                      <a:solidFill>
+                        <a:srgbClr val="000000"/>
+                      </a:solidFill>
+                      <a:prstDash val="solid"/>
+                      <a:round/>
+                      <a:headEnd type="none" w="med" len="med"/>
+                      <a:tailEnd type="none" w="med" len="med"/>
+                    </a:lnR>
+                    <a:lnT w="12700" cap="flat" cmpd="sng" algn="ctr">
+                      <a:solidFill>
+                        <a:srgbClr val="000000"/>
+                      </a:solidFill>
+                      <a:prstDash val="solid"/>
+                      <a:round/>
+                      <a:headEnd type="none" w="med" len="med"/>
+                      <a:tailEnd type="none" w="med" len="med"/>
+                    </a:lnT>
+                    <a:lnB w="6350" cap="flat" cmpd="sng" algn="ctr">
+                      <a:solidFill>
+                        <a:srgbClr val="000000"/>
+                      </a:solidFill>
+                      <a:prstDash val="solid"/>
+                      <a:round/>
+                      <a:headEnd type="none" w="med" len="med"/>
+                      <a:tailEnd type="none" w="med" len="med"/>
+                    </a:lnB>
+                    <a:solidFill>
+                      <a:srgbClr val="FCD5B4"/>
+                    </a:solidFill>
+                  </a:tcPr>
+                </a:tc>
+              </a:tr>
+              <a:tr h="491596">
+                <a:tc>
+                  <a:txBody>
+                    <a:bodyPr/>
+                    <a:lstStyle/>
+                    <a:p>
+                      <a:pPr algn="ctr" fontAlgn="ctr"/>
+                      <a:r>
+                        <a:rPr lang="en-US" sz="1100" b="1" i="0" u="none" strike="noStrike">
+                          <a:solidFill>
+                            <a:srgbClr val="000000"/>
+                          </a:solidFill>
+                          <a:latin typeface="Segoe UI"/>
+                        </a:rPr>
+                        <a:t>Linear Regression</a:t>
+                      </a:r>
+                    </a:p>
+                  </a:txBody>
+                  <a:tcPr marL="7620" marR="7620" marT="7620" marB="0" anchor="ctr">
+                    <a:lnL w="12700" cap="flat" cmpd="sng" algn="ctr">
+                      <a:solidFill>
+                        <a:srgbClr val="000000"/>
+                      </a:solidFill>
+                      <a:prstDash val="solid"/>
+                      <a:round/>
+                      <a:headEnd type="none" w="med" len="med"/>
+                      <a:tailEnd type="none" w="med" len="med"/>
+                    </a:lnL>
+                    <a:lnR w="6350" cap="flat" cmpd="sng" algn="ctr">
+                      <a:solidFill>
+                        <a:srgbClr val="000000"/>
+                      </a:solidFill>
+                      <a:prstDash val="solid"/>
+                      <a:round/>
+                      <a:headEnd type="none" w="med" len="med"/>
+                      <a:tailEnd type="none" w="med" len="med"/>
+                    </a:lnR>
+                    <a:lnT w="6350" cap="flat" cmpd="sng" algn="ctr">
+                      <a:solidFill>
+                        <a:srgbClr val="000000"/>
+                      </a:solidFill>
+                      <a:prstDash val="solid"/>
+                      <a:round/>
+                      <a:headEnd type="none" w="med" len="med"/>
+                      <a:tailEnd type="none" w="med" len="med"/>
+                    </a:lnT>
+                    <a:lnB w="6350" cap="flat" cmpd="sng" algn="ctr">
+                      <a:solidFill>
+                        <a:srgbClr val="000000"/>
+                      </a:solidFill>
+                      <a:prstDash val="solid"/>
+                      <a:round/>
+                      <a:headEnd type="none" w="med" len="med"/>
+                      <a:tailEnd type="none" w="med" len="med"/>
+                    </a:lnB>
+                    <a:solidFill>
+                      <a:srgbClr val="B8CCE4"/>
+                    </a:solidFill>
+                  </a:tcPr>
+                </a:tc>
+                <a:tc>
+                  <a:txBody>
+                    <a:bodyPr/>
+                    <a:lstStyle/>
+                    <a:p>
+                      <a:pPr algn="ctr" fontAlgn="ctr"/>
+                      <a:r>
+                        <a:rPr lang="en-US" sz="1100" b="0" i="0" u="none" strike="noStrike">
+                          <a:solidFill>
+                            <a:srgbClr val="000000"/>
+                          </a:solidFill>
+                          <a:latin typeface="Segoe UI"/>
+                        </a:rPr>
+                        <a:t>0.30086</a:t>
+                      </a:r>
+                    </a:p>
+                  </a:txBody>
+                  <a:tcPr marL="7620" marR="7620" marT="7620" marB="0" anchor="ctr">
+                    <a:lnL w="6350" cap="flat" cmpd="sng" algn="ctr">
+                      <a:solidFill>
+                        <a:srgbClr val="000000"/>
+                      </a:solidFill>
+                      <a:prstDash val="solid"/>
+                      <a:round/>
+                      <a:headEnd type="none" w="med" len="med"/>
+                      <a:tailEnd type="none" w="med" len="med"/>
+                    </a:lnL>
+                    <a:lnR w="6350" cap="flat" cmpd="sng" algn="ctr">
+                      <a:solidFill>
+                        <a:srgbClr val="000000"/>
+                      </a:solidFill>
+                      <a:prstDash val="solid"/>
+                      <a:round/>
+                      <a:headEnd type="none" w="med" len="med"/>
+                      <a:tailEnd type="none" w="med" len="med"/>
+                    </a:lnR>
+                    <a:lnT w="6350" cap="flat" cmpd="sng" algn="ctr">
+                      <a:solidFill>
+                        <a:srgbClr val="000000"/>
+                      </a:solidFill>
+                      <a:prstDash val="solid"/>
+                      <a:round/>
+                      <a:headEnd type="none" w="med" len="med"/>
+                      <a:tailEnd type="none" w="med" len="med"/>
+                    </a:lnT>
+                    <a:lnB w="6350" cap="flat" cmpd="sng" algn="ctr">
+                      <a:solidFill>
+                        <a:srgbClr val="000000"/>
+                      </a:solidFill>
+                      <a:prstDash val="solid"/>
+                      <a:round/>
+                      <a:headEnd type="none" w="med" len="med"/>
+                      <a:tailEnd type="none" w="med" len="med"/>
+                    </a:lnB>
+                    <a:solidFill>
+                      <a:srgbClr val="CCC0DA"/>
+                    </a:solidFill>
+                  </a:tcPr>
+                </a:tc>
+                <a:tc>
+                  <a:txBody>
+                    <a:bodyPr/>
+                    <a:lstStyle/>
+                    <a:p>
+                      <a:pPr algn="ctr" fontAlgn="ctr"/>
+                      <a:r>
+                        <a:rPr lang="en-US" sz="1100" b="0" i="0" u="none" strike="noStrike">
+                          <a:solidFill>
+                            <a:srgbClr val="000000"/>
+                          </a:solidFill>
+                          <a:latin typeface="Segoe UI"/>
+                        </a:rPr>
+                        <a:t>0.5485</a:t>
+                      </a:r>
+                    </a:p>
+                  </a:txBody>
+                  <a:tcPr marL="7620" marR="7620" marT="7620" marB="0" anchor="ctr">
+                    <a:lnL w="6350" cap="flat" cmpd="sng" algn="ctr">
+                      <a:solidFill>
+                        <a:srgbClr val="000000"/>
+                      </a:solidFill>
+                      <a:prstDash val="solid"/>
+                      <a:round/>
+                      <a:headEnd type="none" w="med" len="med"/>
+                      <a:tailEnd type="none" w="med" len="med"/>
+                    </a:lnL>
+                    <a:lnR w="6350" cap="flat" cmpd="sng" algn="ctr">
+                      <a:solidFill>
+                        <a:srgbClr val="000000"/>
+                      </a:solidFill>
+                      <a:prstDash val="solid"/>
+                      <a:round/>
+                      <a:headEnd type="none" w="med" len="med"/>
+                      <a:tailEnd type="none" w="med" len="med"/>
+                    </a:lnR>
+                    <a:lnT w="6350" cap="flat" cmpd="sng" algn="ctr">
+                      <a:solidFill>
+                        <a:srgbClr val="000000"/>
+                      </a:solidFill>
+                      <a:prstDash val="solid"/>
+                      <a:round/>
+                      <a:headEnd type="none" w="med" len="med"/>
+                      <a:tailEnd type="none" w="med" len="med"/>
+                    </a:lnT>
+                    <a:lnB w="6350" cap="flat" cmpd="sng" algn="ctr">
+                      <a:solidFill>
+                        <a:srgbClr val="000000"/>
+                      </a:solidFill>
+                      <a:prstDash val="solid"/>
+                      <a:round/>
+                      <a:headEnd type="none" w="med" len="med"/>
+                      <a:tailEnd type="none" w="med" len="med"/>
+                    </a:lnB>
+                    <a:solidFill>
+                      <a:srgbClr val="CCC0DA"/>
+                    </a:solidFill>
+                  </a:tcPr>
+                </a:tc>
+              </a:tr>
+              <a:tr h="491596">
+                <a:tc>
+                  <a:txBody>
+                    <a:bodyPr/>
+                    <a:lstStyle/>
+                    <a:p>
+                      <a:pPr algn="ctr" fontAlgn="ctr"/>
+                      <a:r>
+                        <a:rPr lang="en-US" sz="1100" b="1" i="0" u="none" strike="noStrike">
+                          <a:solidFill>
+                            <a:srgbClr val="000000"/>
+                          </a:solidFill>
+                          <a:latin typeface="Segoe UI"/>
+                        </a:rPr>
+                        <a:t>KNN Algorithm</a:t>
+                      </a:r>
+                    </a:p>
+                  </a:txBody>
+                  <a:tcPr marL="7620" marR="7620" marT="7620" marB="0" anchor="ctr">
+                    <a:lnL w="12700" cap="flat" cmpd="sng" algn="ctr">
+                      <a:solidFill>
+                        <a:srgbClr val="000000"/>
+                      </a:solidFill>
+                      <a:prstDash val="solid"/>
+                      <a:round/>
+                      <a:headEnd type="none" w="med" len="med"/>
+                      <a:tailEnd type="none" w="med" len="med"/>
+                    </a:lnL>
+                    <a:lnR w="6350" cap="flat" cmpd="sng" algn="ctr">
+                      <a:solidFill>
+                        <a:srgbClr val="000000"/>
+                      </a:solidFill>
+                      <a:prstDash val="solid"/>
+                      <a:round/>
+                      <a:headEnd type="none" w="med" len="med"/>
+                      <a:tailEnd type="none" w="med" len="med"/>
+                    </a:lnR>
+                    <a:lnT w="6350" cap="flat" cmpd="sng" algn="ctr">
+                      <a:solidFill>
+                        <a:srgbClr val="000000"/>
+                      </a:solidFill>
+                      <a:prstDash val="solid"/>
+                      <a:round/>
+                      <a:headEnd type="none" w="med" len="med"/>
+                      <a:tailEnd type="none" w="med" len="med"/>
+                    </a:lnT>
+                    <a:lnB w="6350" cap="flat" cmpd="sng" algn="ctr">
+                      <a:solidFill>
+                        <a:srgbClr val="000000"/>
+                      </a:solidFill>
+                      <a:prstDash val="solid"/>
+                      <a:round/>
+                      <a:headEnd type="none" w="med" len="med"/>
+                      <a:tailEnd type="none" w="med" len="med"/>
+                    </a:lnB>
+                    <a:solidFill>
+                      <a:srgbClr val="B8CCE4"/>
+                    </a:solidFill>
+                  </a:tcPr>
+                </a:tc>
+                <a:tc>
+                  <a:txBody>
+                    <a:bodyPr/>
+                    <a:lstStyle/>
+                    <a:p>
+                      <a:pPr algn="ctr" fontAlgn="ctr"/>
+                      <a:r>
+                        <a:rPr lang="en-US" sz="1100" b="0" i="0" u="none" strike="noStrike" dirty="0">
+                          <a:solidFill>
+                            <a:srgbClr val="000000"/>
+                          </a:solidFill>
+                          <a:latin typeface="Segoe UI"/>
+                        </a:rPr>
+                        <a:t>0.2184</a:t>
+                      </a:r>
+                    </a:p>
+                  </a:txBody>
+                  <a:tcPr marL="7620" marR="7620" marT="7620" marB="0" anchor="ctr">
+                    <a:lnL w="6350" cap="flat" cmpd="sng" algn="ctr">
+                      <a:solidFill>
+                        <a:srgbClr val="000000"/>
+                      </a:solidFill>
+                      <a:prstDash val="solid"/>
+                      <a:round/>
+                      <a:headEnd type="none" w="med" len="med"/>
+                      <a:tailEnd type="none" w="med" len="med"/>
+                    </a:lnL>
+                    <a:lnR w="6350" cap="flat" cmpd="sng" algn="ctr">
+                      <a:solidFill>
+                        <a:srgbClr val="000000"/>
+                      </a:solidFill>
+                      <a:prstDash val="solid"/>
+                      <a:round/>
+                      <a:headEnd type="none" w="med" len="med"/>
+                      <a:tailEnd type="none" w="med" len="med"/>
+                    </a:lnR>
+                    <a:lnT w="6350" cap="flat" cmpd="sng" algn="ctr">
+                      <a:solidFill>
+                        <a:srgbClr val="000000"/>
+                      </a:solidFill>
+                      <a:prstDash val="solid"/>
+                      <a:round/>
+                      <a:headEnd type="none" w="med" len="med"/>
+                      <a:tailEnd type="none" w="med" len="med"/>
+                    </a:lnT>
+                    <a:lnB w="6350" cap="flat" cmpd="sng" algn="ctr">
+                      <a:solidFill>
+                        <a:srgbClr val="000000"/>
+                      </a:solidFill>
+                      <a:prstDash val="solid"/>
+                      <a:round/>
+                      <a:headEnd type="none" w="med" len="med"/>
+                      <a:tailEnd type="none" w="med" len="med"/>
+                    </a:lnB>
+                    <a:solidFill>
+                      <a:srgbClr val="CCC0DA"/>
+                    </a:solidFill>
+                  </a:tcPr>
+                </a:tc>
+                <a:tc>
+                  <a:txBody>
+                    <a:bodyPr/>
+                    <a:lstStyle/>
+                    <a:p>
+                      <a:pPr algn="ctr" fontAlgn="ctr"/>
+                      <a:r>
+                        <a:rPr lang="en-US" sz="1100" b="0" i="0" u="none" strike="noStrike">
+                          <a:solidFill>
+                            <a:srgbClr val="000000"/>
+                          </a:solidFill>
+                          <a:latin typeface="Segoe UI"/>
+                        </a:rPr>
+                        <a:t>0.4673</a:t>
+                      </a:r>
+                    </a:p>
+                  </a:txBody>
+                  <a:tcPr marL="7620" marR="7620" marT="7620" marB="0" anchor="ctr">
+                    <a:lnL w="6350" cap="flat" cmpd="sng" algn="ctr">
+                      <a:solidFill>
+                        <a:srgbClr val="000000"/>
+                      </a:solidFill>
+                      <a:prstDash val="solid"/>
+                      <a:round/>
+                      <a:headEnd type="none" w="med" len="med"/>
+                      <a:tailEnd type="none" w="med" len="med"/>
+                    </a:lnL>
+                    <a:lnR w="6350" cap="flat" cmpd="sng" algn="ctr">
+                      <a:solidFill>
+                        <a:srgbClr val="000000"/>
+                      </a:solidFill>
+                      <a:prstDash val="solid"/>
+                      <a:round/>
+                      <a:headEnd type="none" w="med" len="med"/>
+                      <a:tailEnd type="none" w="med" len="med"/>
+                    </a:lnR>
+                    <a:lnT w="6350" cap="flat" cmpd="sng" algn="ctr">
+                      <a:solidFill>
+                        <a:srgbClr val="000000"/>
+                      </a:solidFill>
+                      <a:prstDash val="solid"/>
+                      <a:round/>
+                      <a:headEnd type="none" w="med" len="med"/>
+                      <a:tailEnd type="none" w="med" len="med"/>
+                    </a:lnT>
+                    <a:lnB w="6350" cap="flat" cmpd="sng" algn="ctr">
+                      <a:solidFill>
+                        <a:srgbClr val="000000"/>
+                      </a:solidFill>
+                      <a:prstDash val="solid"/>
+                      <a:round/>
+                      <a:headEnd type="none" w="med" len="med"/>
+                      <a:tailEnd type="none" w="med" len="med"/>
+                    </a:lnB>
+                    <a:solidFill>
+                      <a:srgbClr val="CCC0DA"/>
+                    </a:solidFill>
+                  </a:tcPr>
+                </a:tc>
+              </a:tr>
+              <a:tr h="491596">
+                <a:tc>
+                  <a:txBody>
+                    <a:bodyPr/>
+                    <a:lstStyle/>
+                    <a:p>
+                      <a:pPr algn="ctr" fontAlgn="ctr"/>
+                      <a:r>
+                        <a:rPr lang="en-US" sz="1100" b="1" i="0" u="none" strike="noStrike">
+                          <a:solidFill>
+                            <a:srgbClr val="000000"/>
+                          </a:solidFill>
+                          <a:latin typeface="Segoe UI"/>
+                        </a:rPr>
+                        <a:t>Decision Tree</a:t>
+                      </a:r>
+                    </a:p>
+                  </a:txBody>
+                  <a:tcPr marL="7620" marR="7620" marT="7620" marB="0" anchor="ctr">
+                    <a:lnL w="12700" cap="flat" cmpd="sng" algn="ctr">
+                      <a:solidFill>
+                        <a:srgbClr val="000000"/>
+                      </a:solidFill>
+                      <a:prstDash val="solid"/>
+                      <a:round/>
+                      <a:headEnd type="none" w="med" len="med"/>
+                      <a:tailEnd type="none" w="med" len="med"/>
+                    </a:lnL>
+                    <a:lnR w="6350" cap="flat" cmpd="sng" algn="ctr">
+                      <a:solidFill>
+                        <a:srgbClr val="000000"/>
+                      </a:solidFill>
+                      <a:prstDash val="solid"/>
+                      <a:round/>
+                      <a:headEnd type="none" w="med" len="med"/>
+                      <a:tailEnd type="none" w="med" len="med"/>
+                    </a:lnR>
+                    <a:lnT w="6350" cap="flat" cmpd="sng" algn="ctr">
+                      <a:solidFill>
+                        <a:srgbClr val="000000"/>
+                      </a:solidFill>
+                      <a:prstDash val="solid"/>
+                      <a:round/>
+                      <a:headEnd type="none" w="med" len="med"/>
+                      <a:tailEnd type="none" w="med" len="med"/>
+                    </a:lnT>
+                    <a:lnB w="6350" cap="flat" cmpd="sng" algn="ctr">
+                      <a:solidFill>
+                        <a:srgbClr val="000000"/>
+                      </a:solidFill>
+                      <a:prstDash val="solid"/>
+                      <a:round/>
+                      <a:headEnd type="none" w="med" len="med"/>
+                      <a:tailEnd type="none" w="med" len="med"/>
+                    </a:lnB>
+                    <a:solidFill>
+                      <a:srgbClr val="B8CCE4"/>
+                    </a:solidFill>
+                  </a:tcPr>
+                </a:tc>
+                <a:tc>
+                  <a:txBody>
+                    <a:bodyPr/>
+                    <a:lstStyle/>
+                    <a:p>
+                      <a:pPr algn="ctr" fontAlgn="ctr"/>
+                      <a:r>
+                        <a:rPr lang="en-US" sz="1100" b="0" i="0" u="none" strike="noStrike">
+                          <a:solidFill>
+                            <a:srgbClr val="000000"/>
+                          </a:solidFill>
+                          <a:latin typeface="Segoe UI"/>
+                        </a:rPr>
+                        <a:t>0.2458</a:t>
+                      </a:r>
+                    </a:p>
+                  </a:txBody>
+                  <a:tcPr marL="7620" marR="7620" marT="7620" marB="0" anchor="ctr">
+                    <a:lnL w="6350" cap="flat" cmpd="sng" algn="ctr">
+                      <a:solidFill>
+                        <a:srgbClr val="000000"/>
+                      </a:solidFill>
+                      <a:prstDash val="solid"/>
+                      <a:round/>
+                      <a:headEnd type="none" w="med" len="med"/>
+                      <a:tailEnd type="none" w="med" len="med"/>
+                    </a:lnL>
+                    <a:lnR w="6350" cap="flat" cmpd="sng" algn="ctr">
+                      <a:solidFill>
+                        <a:srgbClr val="000000"/>
+                      </a:solidFill>
+                      <a:prstDash val="solid"/>
+                      <a:round/>
+                      <a:headEnd type="none" w="med" len="med"/>
+                      <a:tailEnd type="none" w="med" len="med"/>
+                    </a:lnR>
+                    <a:lnT w="6350" cap="flat" cmpd="sng" algn="ctr">
+                      <a:solidFill>
+                        <a:srgbClr val="000000"/>
+                      </a:solidFill>
+                      <a:prstDash val="solid"/>
+                      <a:round/>
+                      <a:headEnd type="none" w="med" len="med"/>
+                      <a:tailEnd type="none" w="med" len="med"/>
+                    </a:lnT>
+                    <a:lnB w="6350" cap="flat" cmpd="sng" algn="ctr">
+                      <a:solidFill>
+                        <a:srgbClr val="000000"/>
+                      </a:solidFill>
+                      <a:prstDash val="solid"/>
+                      <a:round/>
+                      <a:headEnd type="none" w="med" len="med"/>
+                      <a:tailEnd type="none" w="med" len="med"/>
+                    </a:lnB>
+                    <a:solidFill>
+                      <a:srgbClr val="CCC0DA"/>
+                    </a:solidFill>
+                  </a:tcPr>
+                </a:tc>
+                <a:tc>
+                  <a:txBody>
+                    <a:bodyPr/>
+                    <a:lstStyle/>
+                    <a:p>
+                      <a:pPr algn="ctr" fontAlgn="ctr"/>
+                      <a:r>
+                        <a:rPr lang="en-US" sz="1100" b="0" i="0" u="none" strike="noStrike" dirty="0">
+                          <a:solidFill>
+                            <a:srgbClr val="000000"/>
+                          </a:solidFill>
+                          <a:latin typeface="Segoe UI"/>
+                        </a:rPr>
+                        <a:t>0.4958</a:t>
+                      </a:r>
+                    </a:p>
+                  </a:txBody>
+                  <a:tcPr marL="7620" marR="7620" marT="7620" marB="0" anchor="ctr">
+                    <a:lnL w="6350" cap="flat" cmpd="sng" algn="ctr">
+                      <a:solidFill>
+                        <a:srgbClr val="000000"/>
+                      </a:solidFill>
+                      <a:prstDash val="solid"/>
+                      <a:round/>
+                      <a:headEnd type="none" w="med" len="med"/>
+                      <a:tailEnd type="none" w="med" len="med"/>
+                    </a:lnL>
+                    <a:lnR w="6350" cap="flat" cmpd="sng" algn="ctr">
+                      <a:solidFill>
+                        <a:srgbClr val="000000"/>
+                      </a:solidFill>
+                      <a:prstDash val="solid"/>
+                      <a:round/>
+                      <a:headEnd type="none" w="med" len="med"/>
+                      <a:tailEnd type="none" w="med" len="med"/>
+                    </a:lnR>
+                    <a:lnT w="6350" cap="flat" cmpd="sng" algn="ctr">
+                      <a:solidFill>
+                        <a:srgbClr val="000000"/>
+                      </a:solidFill>
+                      <a:prstDash val="solid"/>
+                      <a:round/>
+                      <a:headEnd type="none" w="med" len="med"/>
+                      <a:tailEnd type="none" w="med" len="med"/>
+                    </a:lnT>
+                    <a:lnB w="6350" cap="flat" cmpd="sng" algn="ctr">
+                      <a:solidFill>
+                        <a:srgbClr val="000000"/>
+                      </a:solidFill>
+                      <a:prstDash val="solid"/>
+                      <a:round/>
+                      <a:headEnd type="none" w="med" len="med"/>
+                      <a:tailEnd type="none" w="med" len="med"/>
+                    </a:lnB>
+                    <a:solidFill>
+                      <a:srgbClr val="CCC0DA"/>
+                    </a:solidFill>
+                  </a:tcPr>
+                </a:tc>
+              </a:tr>
+            </a:tbl>
+          </a:graphicData>
+        </a:graphic>
+      </p:graphicFrame>
+    </p:spTree>
+    <p:extLst>
+      <p:ext uri="{BB962C8B-B14F-4D97-AF65-F5344CB8AC3E}">
+        <p14:creationId xmlns="" xmlns:p14="http://schemas.microsoft.com/office/powerpoint/2010/main" val="3200312026"/>
+      </p:ext>
+    </p:extLst>
+  </p:cSld>
+  <p:clrMapOvr>
+    <a:masterClrMapping/>
+  </p:clrMapOvr>
+  <p:timing>
+    <p:tnLst>
+      <p:par>
+        <p:cTn id="1" dur="indefinite" restart="never" nodeType="tmRoot"/>
+      </p:par>
+    </p:tnLst>
+  </p:timing>
+</p:sld>
+</file>
+
+<file path=ppt/slides/slide12.xml><?xml version="1.0" encoding="utf-8"?>
 <p:sld xmlns:a="http://schemas.openxmlformats.org/drawingml/2006/main" xmlns:r="http://schemas.openxmlformats.org/officeDocument/2006/relationships" xmlns:p="http://schemas.openxmlformats.org/presentationml/2006/main">
   <p:cSld>
     <p:spTree>
